--- a/meetup #1/Probability_theorems_and_metrics_for_ml.pptx
+++ b/meetup #1/Probability_theorems_and_metrics_for_ml.pptx
@@ -157,14 +157,6 @@
     </p:ext>
   </p:extLst>
 </p:presentation>
-</file>
-
-<file path=ppt/revisionInfo.xml><?xml version="1.0" encoding="utf-8"?>
-<p1510:revInfo xmlns:a="http://schemas.openxmlformats.org/drawingml/2006/main" xmlns:r="http://schemas.openxmlformats.org/officeDocument/2006/relationships" xmlns:p1510="http://schemas.microsoft.com/office/powerpoint/2015/10/main">
-  <p1510:revLst>
-    <p1510:client id="{9E7D40E0-A552-411E-9EC2-533CF421A304}" v="111" dt="2023-07-20T09:36:10.619"/>
-  </p1510:revLst>
-</p1510:revInfo>
 </file>
 
 <file path=ppt/changesInfos/changesInfo1.xml><?xml version="1.0" encoding="utf-8"?>
@@ -2778,6 +2770,30 @@
       </pc:sldChg>
     </pc:docChg>
   </pc:docChgLst>
+  <pc:docChgLst>
+    <pc:chgData name="이지운" userId="d5dfea2c-d399-4941-b35a-d6891388e25d" providerId="ADAL" clId="{CAE9D68D-63FB-45E9-BCC7-91E40049A1F5}"/>
+    <pc:docChg chg="modSld">
+      <pc:chgData name="이지운" userId="d5dfea2c-d399-4941-b35a-d6891388e25d" providerId="ADAL" clId="{CAE9D68D-63FB-45E9-BCC7-91E40049A1F5}" dt="2023-07-26T13:59:24.655" v="3" actId="2711"/>
+      <pc:docMkLst>
+        <pc:docMk/>
+      </pc:docMkLst>
+      <pc:sldChg chg="modSp mod">
+        <pc:chgData name="이지운" userId="d5dfea2c-d399-4941-b35a-d6891388e25d" providerId="ADAL" clId="{CAE9D68D-63FB-45E9-BCC7-91E40049A1F5}" dt="2023-07-26T13:59:24.655" v="3" actId="2711"/>
+        <pc:sldMkLst>
+          <pc:docMk/>
+          <pc:sldMk cId="3377185830" sldId="310"/>
+        </pc:sldMkLst>
+        <pc:graphicFrameChg chg="modGraphic">
+          <ac:chgData name="이지운" userId="d5dfea2c-d399-4941-b35a-d6891388e25d" providerId="ADAL" clId="{CAE9D68D-63FB-45E9-BCC7-91E40049A1F5}" dt="2023-07-26T13:59:24.655" v="3" actId="2711"/>
+          <ac:graphicFrameMkLst>
+            <pc:docMk/>
+            <pc:sldMk cId="3377185830" sldId="310"/>
+            <ac:graphicFrameMk id="11" creationId="{FB34E3E1-5750-D654-98EC-710E85E92022}"/>
+          </ac:graphicFrameMkLst>
+        </pc:graphicFrameChg>
+      </pc:sldChg>
+    </pc:docChg>
+  </pc:docChgLst>
 </pc:chgInfo>
 </file>
 
@@ -2917,7 +2933,7 @@
           <a:p>
             <a:fld id="{A38A8513-3DB4-44D1-8C05-112CB41382EF}" type="datetimeFigureOut">
               <a:rPr lang="ko-KR" altLang="en-US" smtClean="0"/>
-              <a:t>2023-07-20</a:t>
+              <a:t>2023-07-26</a:t>
             </a:fld>
             <a:endParaRPr lang="ko-KR" altLang="en-US"/>
           </a:p>
@@ -8054,7 +8070,7 @@
           <a:p>
             <a:fld id="{4C3C35F9-62A0-477C-9601-85DB3FF6050E}" type="datetimeFigureOut">
               <a:rPr lang="ko-KR" altLang="en-US" smtClean="0"/>
-              <a:t>2023-07-20</a:t>
+              <a:t>2023-07-26</a:t>
             </a:fld>
             <a:endParaRPr lang="ko-KR" altLang="en-US"/>
           </a:p>
@@ -8252,7 +8268,7 @@
           <a:p>
             <a:fld id="{4C3C35F9-62A0-477C-9601-85DB3FF6050E}" type="datetimeFigureOut">
               <a:rPr lang="ko-KR" altLang="en-US" smtClean="0"/>
-              <a:t>2023-07-20</a:t>
+              <a:t>2023-07-26</a:t>
             </a:fld>
             <a:endParaRPr lang="ko-KR" altLang="en-US"/>
           </a:p>
@@ -8460,7 +8476,7 @@
           <a:p>
             <a:fld id="{4C3C35F9-62A0-477C-9601-85DB3FF6050E}" type="datetimeFigureOut">
               <a:rPr lang="ko-KR" altLang="en-US" smtClean="0"/>
-              <a:t>2023-07-20</a:t>
+              <a:t>2023-07-26</a:t>
             </a:fld>
             <a:endParaRPr lang="ko-KR" altLang="en-US"/>
           </a:p>
@@ -8658,7 +8674,7 @@
           <a:p>
             <a:fld id="{4C3C35F9-62A0-477C-9601-85DB3FF6050E}" type="datetimeFigureOut">
               <a:rPr lang="ko-KR" altLang="en-US" smtClean="0"/>
-              <a:t>2023-07-20</a:t>
+              <a:t>2023-07-26</a:t>
             </a:fld>
             <a:endParaRPr lang="ko-KR" altLang="en-US"/>
           </a:p>
@@ -8933,7 +8949,7 @@
           <a:p>
             <a:fld id="{4C3C35F9-62A0-477C-9601-85DB3FF6050E}" type="datetimeFigureOut">
               <a:rPr lang="ko-KR" altLang="en-US" smtClean="0"/>
-              <a:t>2023-07-20</a:t>
+              <a:t>2023-07-26</a:t>
             </a:fld>
             <a:endParaRPr lang="ko-KR" altLang="en-US"/>
           </a:p>
@@ -9198,7 +9214,7 @@
           <a:p>
             <a:fld id="{4C3C35F9-62A0-477C-9601-85DB3FF6050E}" type="datetimeFigureOut">
               <a:rPr lang="ko-KR" altLang="en-US" smtClean="0"/>
-              <a:t>2023-07-20</a:t>
+              <a:t>2023-07-26</a:t>
             </a:fld>
             <a:endParaRPr lang="ko-KR" altLang="en-US"/>
           </a:p>
@@ -9610,7 +9626,7 @@
           <a:p>
             <a:fld id="{4C3C35F9-62A0-477C-9601-85DB3FF6050E}" type="datetimeFigureOut">
               <a:rPr lang="ko-KR" altLang="en-US" smtClean="0"/>
-              <a:t>2023-07-20</a:t>
+              <a:t>2023-07-26</a:t>
             </a:fld>
             <a:endParaRPr lang="ko-KR" altLang="en-US"/>
           </a:p>
@@ -9751,7 +9767,7 @@
           <a:p>
             <a:fld id="{4C3C35F9-62A0-477C-9601-85DB3FF6050E}" type="datetimeFigureOut">
               <a:rPr lang="ko-KR" altLang="en-US" smtClean="0"/>
-              <a:t>2023-07-20</a:t>
+              <a:t>2023-07-26</a:t>
             </a:fld>
             <a:endParaRPr lang="ko-KR" altLang="en-US"/>
           </a:p>
@@ -9864,7 +9880,7 @@
           <a:p>
             <a:fld id="{4C3C35F9-62A0-477C-9601-85DB3FF6050E}" type="datetimeFigureOut">
               <a:rPr lang="ko-KR" altLang="en-US" smtClean="0"/>
-              <a:t>2023-07-20</a:t>
+              <a:t>2023-07-26</a:t>
             </a:fld>
             <a:endParaRPr lang="ko-KR" altLang="en-US"/>
           </a:p>
@@ -10175,7 +10191,7 @@
           <a:p>
             <a:fld id="{4C3C35F9-62A0-477C-9601-85DB3FF6050E}" type="datetimeFigureOut">
               <a:rPr lang="ko-KR" altLang="en-US" smtClean="0"/>
-              <a:t>2023-07-20</a:t>
+              <a:t>2023-07-26</a:t>
             </a:fld>
             <a:endParaRPr lang="ko-KR" altLang="en-US"/>
           </a:p>
@@ -10463,7 +10479,7 @@
           <a:p>
             <a:fld id="{4C3C35F9-62A0-477C-9601-85DB3FF6050E}" type="datetimeFigureOut">
               <a:rPr lang="ko-KR" altLang="en-US" smtClean="0"/>
-              <a:t>2023-07-20</a:t>
+              <a:t>2023-07-26</a:t>
             </a:fld>
             <a:endParaRPr lang="ko-KR" altLang="en-US"/>
           </a:p>
@@ -10704,7 +10720,7 @@
           <a:p>
             <a:fld id="{4C3C35F9-62A0-477C-9601-85DB3FF6050E}" type="datetimeFigureOut">
               <a:rPr lang="ko-KR" altLang="en-US" smtClean="0"/>
-              <a:t>2023-07-20</a:t>
+              <a:t>2023-07-26</a:t>
             </a:fld>
             <a:endParaRPr lang="ko-KR" altLang="en-US"/>
           </a:p>
@@ -14404,7 +14420,7 @@
           <p:nvPr>
             <p:extLst>
               <p:ext uri="{D42A27DB-BD31-4B8C-83A1-F6EECF244321}">
-                <p14:modId xmlns:p14="http://schemas.microsoft.com/office/powerpoint/2010/main" val="1261246833"/>
+                <p14:modId xmlns:p14="http://schemas.microsoft.com/office/powerpoint/2010/main" val="979974878"/>
               </p:ext>
             </p:extLst>
           </p:nvPr>
@@ -14508,10 +14524,16 @@
                     <a:p>
                       <a:pPr algn="ctr" latinLnBrk="1"/>
                       <a:r>
-                        <a:rPr lang="en-US" altLang="ko-KR" sz="2400" dirty="0"/>
+                        <a:rPr lang="en-US" altLang="ko-KR" sz="2400" b="0" dirty="0">
+                          <a:latin typeface="나눔스퀘어 ExtraBold" panose="020B0600000101010101" pitchFamily="50" charset="-127"/>
+                          <a:ea typeface="나눔스퀘어 ExtraBold" panose="020B0600000101010101" pitchFamily="50" charset="-127"/>
+                        </a:rPr>
                         <a:t>MAE</a:t>
                       </a:r>
-                      <a:endParaRPr lang="ko-KR" altLang="en-US" sz="2400" dirty="0"/>
+                      <a:endParaRPr lang="ko-KR" altLang="en-US" sz="2400" b="0" dirty="0">
+                        <a:latin typeface="나눔스퀘어 ExtraBold" panose="020B0600000101010101" pitchFamily="50" charset="-127"/>
+                        <a:ea typeface="나눔스퀘어 ExtraBold" panose="020B0600000101010101" pitchFamily="50" charset="-127"/>
+                      </a:endParaRPr>
                     </a:p>
                   </a:txBody>
                   <a:tcPr anchor="ctr">
@@ -14563,10 +14585,16 @@
                     <a:p>
                       <a:pPr algn="ctr" latinLnBrk="1"/>
                       <a:r>
-                        <a:rPr lang="en-US" altLang="ko-KR" sz="2400" dirty="0"/>
+                        <a:rPr lang="en-US" altLang="ko-KR" sz="2400" b="0" dirty="0">
+                          <a:latin typeface="나눔스퀘어 ExtraBold" panose="020B0600000101010101" pitchFamily="50" charset="-127"/>
+                          <a:ea typeface="나눔스퀘어 ExtraBold" panose="020B0600000101010101" pitchFamily="50" charset="-127"/>
+                        </a:rPr>
                         <a:t>MSE</a:t>
                       </a:r>
-                      <a:endParaRPr lang="ko-KR" altLang="en-US" sz="2400" dirty="0"/>
+                      <a:endParaRPr lang="ko-KR" altLang="en-US" sz="2400" b="0" dirty="0">
+                        <a:latin typeface="나눔스퀘어 ExtraBold" panose="020B0600000101010101" pitchFamily="50" charset="-127"/>
+                        <a:ea typeface="나눔스퀘어 ExtraBold" panose="020B0600000101010101" pitchFamily="50" charset="-127"/>
+                      </a:endParaRPr>
                     </a:p>
                   </a:txBody>
                   <a:tcPr anchor="ctr">
@@ -14618,10 +14646,16 @@
                     <a:p>
                       <a:pPr algn="ctr" latinLnBrk="1"/>
                       <a:r>
-                        <a:rPr lang="en-US" altLang="ko-KR" sz="2400" dirty="0"/>
+                        <a:rPr lang="en-US" altLang="ko-KR" sz="2400" b="0" dirty="0">
+                          <a:latin typeface="나눔스퀘어 ExtraBold" panose="020B0600000101010101" pitchFamily="50" charset="-127"/>
+                          <a:ea typeface="나눔스퀘어 ExtraBold" panose="020B0600000101010101" pitchFamily="50" charset="-127"/>
+                        </a:rPr>
                         <a:t>RMSE</a:t>
                       </a:r>
-                      <a:endParaRPr lang="ko-KR" altLang="en-US" sz="2400" dirty="0"/>
+                      <a:endParaRPr lang="ko-KR" altLang="en-US" sz="2400" b="0" dirty="0">
+                        <a:latin typeface="나눔스퀘어 ExtraBold" panose="020B0600000101010101" pitchFamily="50" charset="-127"/>
+                        <a:ea typeface="나눔스퀘어 ExtraBold" panose="020B0600000101010101" pitchFamily="50" charset="-127"/>
+                      </a:endParaRPr>
                     </a:p>
                   </a:txBody>
                   <a:tcPr anchor="ctr">
@@ -14680,10 +14714,16 @@
                     <a:p>
                       <a:pPr algn="ctr" latinLnBrk="1"/>
                       <a:r>
-                        <a:rPr lang="en-US" altLang="ko-KR" dirty="0"/>
+                        <a:rPr lang="en-US" altLang="ko-KR" dirty="0">
+                          <a:latin typeface="나눔스퀘어 ExtraBold" panose="020B0600000101010101" pitchFamily="50" charset="-127"/>
+                          <a:ea typeface="나눔스퀘어 ExtraBold" panose="020B0600000101010101" pitchFamily="50" charset="-127"/>
+                        </a:rPr>
                         <a:t>PROS</a:t>
                       </a:r>
-                      <a:endParaRPr lang="ko-KR" altLang="en-US" dirty="0"/>
+                      <a:endParaRPr lang="ko-KR" altLang="en-US" dirty="0">
+                        <a:latin typeface="나눔스퀘어 ExtraBold" panose="020B0600000101010101" pitchFamily="50" charset="-127"/>
+                        <a:ea typeface="나눔스퀘어 ExtraBold" panose="020B0600000101010101" pitchFamily="50" charset="-127"/>
+                      </a:endParaRPr>
                     </a:p>
                   </a:txBody>
                   <a:tcPr anchor="ctr">
@@ -14737,10 +14777,16 @@
                     <a:p>
                       <a:pPr algn="ctr" latinLnBrk="1"/>
                       <a:r>
-                        <a:rPr lang="en-US" altLang="ko-KR" dirty="0"/>
+                        <a:rPr lang="en-US" altLang="ko-KR" dirty="0">
+                          <a:latin typeface="나눔스퀘어" panose="020B0600000101010101" pitchFamily="50" charset="-127"/>
+                          <a:ea typeface="나눔스퀘어" panose="020B0600000101010101" pitchFamily="50" charset="-127"/>
+                        </a:rPr>
                         <a:t>Intuitive</a:t>
                       </a:r>
-                      <a:endParaRPr lang="ko-KR" altLang="en-US" dirty="0"/>
+                      <a:endParaRPr lang="ko-KR" altLang="en-US" dirty="0">
+                        <a:latin typeface="나눔스퀘어" panose="020B0600000101010101" pitchFamily="50" charset="-127"/>
+                        <a:ea typeface="나눔스퀘어" panose="020B0600000101010101" pitchFamily="50" charset="-127"/>
+                      </a:endParaRPr>
                     </a:p>
                   </a:txBody>
                   <a:tcPr anchor="ctr">
@@ -14794,10 +14840,16 @@
                     <a:p>
                       <a:pPr algn="ctr" latinLnBrk="1"/>
                       <a:r>
-                        <a:rPr lang="en-US" altLang="ko-KR" dirty="0"/>
+                        <a:rPr lang="en-US" altLang="ko-KR" dirty="0">
+                          <a:latin typeface="나눔스퀘어" panose="020B0600000101010101" pitchFamily="50" charset="-127"/>
+                          <a:ea typeface="나눔스퀘어" panose="020B0600000101010101" pitchFamily="50" charset="-127"/>
+                        </a:rPr>
                         <a:t>Good for big errors</a:t>
                       </a:r>
-                      <a:endParaRPr lang="ko-KR" altLang="en-US" dirty="0"/>
+                      <a:endParaRPr lang="ko-KR" altLang="en-US" dirty="0">
+                        <a:latin typeface="나눔스퀘어" panose="020B0600000101010101" pitchFamily="50" charset="-127"/>
+                        <a:ea typeface="나눔스퀘어" panose="020B0600000101010101" pitchFamily="50" charset="-127"/>
+                      </a:endParaRPr>
                     </a:p>
                   </a:txBody>
                   <a:tcPr anchor="ctr">
@@ -14867,10 +14919,16 @@
                         <a:defRPr/>
                       </a:pPr>
                       <a:r>
-                        <a:rPr lang="en-US" altLang="ko-KR" dirty="0"/>
+                        <a:rPr lang="en-US" altLang="ko-KR" dirty="0">
+                          <a:latin typeface="나눔스퀘어" panose="020B0600000101010101" pitchFamily="50" charset="-127"/>
+                          <a:ea typeface="나눔스퀘어" panose="020B0600000101010101" pitchFamily="50" charset="-127"/>
+                        </a:rPr>
                         <a:t>Good for big errors</a:t>
                       </a:r>
-                      <a:endParaRPr lang="ko-KR" altLang="en-US" dirty="0"/>
+                      <a:endParaRPr lang="ko-KR" altLang="en-US" dirty="0">
+                        <a:latin typeface="나눔스퀘어" panose="020B0600000101010101" pitchFamily="50" charset="-127"/>
+                        <a:ea typeface="나눔스퀘어" panose="020B0600000101010101" pitchFamily="50" charset="-127"/>
+                      </a:endParaRPr>
                     </a:p>
                   </a:txBody>
                   <a:tcPr anchor="ctr">
@@ -14931,10 +14989,16 @@
                     <a:p>
                       <a:pPr algn="ctr" latinLnBrk="1"/>
                       <a:r>
-                        <a:rPr lang="en-US" altLang="ko-KR" dirty="0"/>
+                        <a:rPr lang="en-US" altLang="ko-KR" dirty="0">
+                          <a:latin typeface="나눔스퀘어 ExtraBold" panose="020B0600000101010101" pitchFamily="50" charset="-127"/>
+                          <a:ea typeface="나눔스퀘어 ExtraBold" panose="020B0600000101010101" pitchFamily="50" charset="-127"/>
+                        </a:rPr>
                         <a:t>CONS</a:t>
                       </a:r>
-                      <a:endParaRPr lang="ko-KR" altLang="en-US" dirty="0"/>
+                      <a:endParaRPr lang="ko-KR" altLang="en-US" dirty="0">
+                        <a:latin typeface="나눔스퀘어 ExtraBold" panose="020B0600000101010101" pitchFamily="50" charset="-127"/>
+                        <a:ea typeface="나눔스퀘어 ExtraBold" panose="020B0600000101010101" pitchFamily="50" charset="-127"/>
+                      </a:endParaRPr>
                     </a:p>
                   </a:txBody>
                   <a:tcPr anchor="ctr">
@@ -15004,7 +15068,7 @@
                         <a:defRPr/>
                       </a:pPr>
                       <a:r>
-                        <a:rPr lang="en-US" altLang="ko-KR" sz="1800">
+                        <a:rPr lang="en-US" altLang="ko-KR" sz="1800" dirty="0">
                           <a:latin typeface="나눔스퀘어" panose="020B0600000101010101" pitchFamily="50" charset="-127"/>
                           <a:ea typeface="나눔스퀘어" panose="020B0600000101010101" pitchFamily="50" charset="-127"/>
                         </a:rPr>
@@ -15063,17 +15127,26 @@
                     <a:p>
                       <a:pPr algn="ctr" latinLnBrk="1"/>
                       <a:r>
-                        <a:rPr lang="en-US" altLang="ko-KR" dirty="0"/>
+                        <a:rPr lang="en-US" altLang="ko-KR" dirty="0">
+                          <a:latin typeface="나눔스퀘어" panose="020B0600000101010101" pitchFamily="50" charset="-127"/>
+                          <a:ea typeface="나눔스퀘어" panose="020B0600000101010101" pitchFamily="50" charset="-127"/>
+                        </a:rPr>
                         <a:t>Hard to deal with large value,</a:t>
                       </a:r>
                     </a:p>
                     <a:p>
                       <a:pPr algn="ctr" latinLnBrk="1"/>
                       <a:r>
-                        <a:rPr lang="en-US" altLang="ko-KR" dirty="0"/>
+                        <a:rPr lang="en-US" altLang="ko-KR" dirty="0">
+                          <a:latin typeface="나눔스퀘어" panose="020B0600000101010101" pitchFamily="50" charset="-127"/>
+                          <a:ea typeface="나눔스퀘어" panose="020B0600000101010101" pitchFamily="50" charset="-127"/>
+                        </a:rPr>
                         <a:t>Not robust</a:t>
                       </a:r>
-                      <a:endParaRPr lang="ko-KR" altLang="en-US" dirty="0"/>
+                      <a:endParaRPr lang="ko-KR" altLang="en-US" dirty="0">
+                        <a:latin typeface="나눔스퀘어" panose="020B0600000101010101" pitchFamily="50" charset="-127"/>
+                        <a:ea typeface="나눔스퀘어" panose="020B0600000101010101" pitchFamily="50" charset="-127"/>
+                      </a:endParaRPr>
                     </a:p>
                   </a:txBody>
                   <a:tcPr anchor="ctr">
@@ -15127,10 +15200,16 @@
                     <a:p>
                       <a:pPr algn="ctr" latinLnBrk="1"/>
                       <a:r>
-                        <a:rPr lang="en-US" altLang="ko-KR" dirty="0"/>
+                        <a:rPr lang="en-US" altLang="ko-KR" dirty="0">
+                          <a:latin typeface="나눔스퀘어" panose="020B0600000101010101" pitchFamily="50" charset="-127"/>
+                          <a:ea typeface="나눔스퀘어" panose="020B0600000101010101" pitchFamily="50" charset="-127"/>
+                        </a:rPr>
                         <a:t>Not Intuitive</a:t>
                       </a:r>
-                      <a:endParaRPr lang="ko-KR" altLang="en-US" dirty="0"/>
+                      <a:endParaRPr lang="ko-KR" altLang="en-US" dirty="0">
+                        <a:latin typeface="나눔스퀘어" panose="020B0600000101010101" pitchFamily="50" charset="-127"/>
+                        <a:ea typeface="나눔스퀘어" panose="020B0600000101010101" pitchFamily="50" charset="-127"/>
+                      </a:endParaRPr>
                     </a:p>
                   </a:txBody>
                   <a:tcPr anchor="ctr">
